--- a/docs/diagrams/ModelStorageComponentImportSequenceDiagram.pptx
+++ b/docs/diagrams/ModelStorageComponentImportSequenceDiagram.pptx
@@ -3456,8 +3456,8 @@
         </p:nvSpPr>
         <p:spPr>
           <a:xfrm>
-            <a:off x="4495800" y="1700740"/>
-            <a:ext cx="3657600" cy="3633260"/>
+            <a:off x="4613379" y="1804059"/>
+            <a:ext cx="6324600" cy="3633260"/>
           </a:xfrm>
           <a:prstGeom prst="roundRect">
             <a:avLst>
@@ -3771,9 +3771,9 @@
           <p:nvPr/>
         </p:nvCxnSpPr>
         <p:spPr>
-          <a:xfrm flipV="1">
-            <a:off x="2876283" y="3156014"/>
-            <a:ext cx="2436823" cy="3606"/>
+          <a:xfrm>
+            <a:off x="2876283" y="3159620"/>
+            <a:ext cx="3700449" cy="0"/>
           </a:xfrm>
           <a:prstGeom prst="straightConnector1">
             <a:avLst/>
@@ -3843,8 +3843,8 @@
         </p:nvSpPr>
         <p:spPr>
           <a:xfrm>
-            <a:off x="2946945" y="2945624"/>
-            <a:ext cx="2217719" cy="153888"/>
+            <a:off x="3329494" y="2923007"/>
+            <a:ext cx="2906593" cy="184666"/>
           </a:xfrm>
           <a:prstGeom prst="rect">
             <a:avLst/>
@@ -3869,7 +3869,7 @@
           </a:lstStyle>
           <a:p>
             <a:r>
-              <a:rPr lang="en-US" sz="1000" dirty="0" err="1">
+              <a:rPr lang="en-US" sz="1200" dirty="0" err="1">
                 <a:solidFill>
                   <a:srgbClr val="7030A0"/>
                 </a:solidFill>
@@ -3877,7 +3877,7 @@
               <a:t>importAddressBook</a:t>
             </a:r>
             <a:r>
-              <a:rPr lang="en-US" sz="1000" dirty="0">
+              <a:rPr lang="en-US" sz="1200" dirty="0">
                 <a:solidFill>
                   <a:srgbClr val="7030A0"/>
                 </a:solidFill>
@@ -3885,7 +3885,7 @@
               <a:t>(</a:t>
             </a:r>
             <a:r>
-              <a:rPr lang="en-US" sz="1000" dirty="0" err="1">
+              <a:rPr lang="en-US" sz="1200" dirty="0" err="1">
                 <a:solidFill>
                   <a:srgbClr val="7030A0"/>
                 </a:solidFill>
@@ -3893,7 +3893,7 @@
               <a:t>filepath</a:t>
             </a:r>
             <a:r>
-              <a:rPr lang="en-US" sz="1000" dirty="0">
+              <a:rPr lang="en-US" sz="1200" dirty="0">
                 <a:solidFill>
                   <a:srgbClr val="7030A0"/>
                 </a:solidFill>
@@ -3911,8 +3911,8 @@
         </p:nvSpPr>
         <p:spPr>
           <a:xfrm>
-            <a:off x="368765" y="2237314"/>
-            <a:ext cx="2195123" cy="153826"/>
+            <a:off x="-74137" y="2229139"/>
+            <a:ext cx="2638025" cy="184666"/>
           </a:xfrm>
           <a:prstGeom prst="rect">
             <a:avLst/>
@@ -3937,7 +3937,7 @@
           </a:lstStyle>
           <a:p>
             <a:r>
-              <a:rPr lang="en-US" sz="1000" dirty="0" err="1">
+              <a:rPr lang="en-US" sz="1200" dirty="0" err="1">
                 <a:solidFill>
                   <a:srgbClr val="7030A0"/>
                 </a:solidFill>
@@ -3945,7 +3945,7 @@
               <a:t>importAddressBook</a:t>
             </a:r>
             <a:r>
-              <a:rPr lang="en-US" sz="1000" dirty="0">
+              <a:rPr lang="en-US" sz="1200" dirty="0">
                 <a:solidFill>
                   <a:srgbClr val="7030A0"/>
                 </a:solidFill>
@@ -3953,7 +3953,7 @@
               <a:t>(</a:t>
             </a:r>
             <a:r>
-              <a:rPr lang="en-US" sz="1000" dirty="0" err="1">
+              <a:rPr lang="en-US" sz="1200" dirty="0" err="1">
                 <a:solidFill>
                   <a:srgbClr val="7030A0"/>
                 </a:solidFill>
@@ -3961,7 +3961,7 @@
               <a:t>filepath</a:t>
             </a:r>
             <a:r>
-              <a:rPr lang="en-US" sz="1000" dirty="0">
+              <a:rPr lang="en-US" sz="1200" dirty="0">
                 <a:solidFill>
                   <a:srgbClr val="7030A0"/>
                 </a:solidFill>
@@ -3985,7 +3985,7 @@
         </p:nvSpPr>
         <p:spPr>
           <a:xfrm>
-            <a:off x="6772597" y="3872623"/>
+            <a:off x="9034680" y="3864031"/>
             <a:ext cx="1200707" cy="346760"/>
           </a:xfrm>
           <a:prstGeom prst="rect">
@@ -4076,7 +4076,7 @@
         </p:nvSpPr>
         <p:spPr>
           <a:xfrm>
-            <a:off x="4767165" y="2435422"/>
+            <a:off x="6044622" y="2469899"/>
             <a:ext cx="1169835" cy="346760"/>
           </a:xfrm>
           <a:prstGeom prst="rect">
@@ -4167,7 +4167,7 @@
         </p:nvSpPr>
         <p:spPr>
           <a:xfrm>
-            <a:off x="8285444" y="2505707"/>
+            <a:off x="11115978" y="2229139"/>
             <a:ext cx="1283224" cy="319928"/>
           </a:xfrm>
           <a:prstGeom prst="rect">
@@ -4232,7 +4232,7 @@
         </p:nvSpPr>
         <p:spPr>
           <a:xfrm rot="16200000">
-            <a:off x="4314034" y="3755109"/>
+            <a:off x="5538272" y="3812155"/>
             <a:ext cx="2076920" cy="119507"/>
           </a:xfrm>
           <a:prstGeom prst="rect">
@@ -4290,13 +4290,12 @@
           </p:cNvPr>
           <p:cNvCxnSpPr>
             <a:cxnSpLocks/>
-            <a:stCxn id="28" idx="3"/>
           </p:cNvCxnSpPr>
           <p:nvPr/>
         </p:nvCxnSpPr>
         <p:spPr>
           <a:xfrm>
-            <a:off x="5352495" y="2776403"/>
+            <a:off x="6571526" y="2833449"/>
             <a:ext cx="20364" cy="2213205"/>
           </a:xfrm>
           <a:prstGeom prst="line">
@@ -4342,8 +4341,8 @@
         </p:nvCxnSpPr>
         <p:spPr>
           <a:xfrm>
-            <a:off x="8927056" y="2823503"/>
-            <a:ext cx="11134" cy="2739097"/>
+            <a:off x="11746456" y="2589141"/>
+            <a:ext cx="11134" cy="3049659"/>
           </a:xfrm>
           <a:prstGeom prst="line">
             <a:avLst/>
@@ -4385,8 +4384,8 @@
         </p:nvSpPr>
         <p:spPr>
           <a:xfrm>
-            <a:off x="8851009" y="3301984"/>
-            <a:ext cx="174361" cy="537043"/>
+            <a:off x="11617341" y="3301983"/>
+            <a:ext cx="269860" cy="457860"/>
           </a:xfrm>
           <a:prstGeom prst="rect">
             <a:avLst/>
@@ -4439,9 +4438,9 @@
           <p:nvPr/>
         </p:nvCxnSpPr>
         <p:spPr>
-          <a:xfrm>
-            <a:off x="5442929" y="3340881"/>
-            <a:ext cx="3385814" cy="9061"/>
+          <a:xfrm flipV="1">
+            <a:off x="6662015" y="3321032"/>
+            <a:ext cx="4955325" cy="29304"/>
           </a:xfrm>
           <a:prstGeom prst="straightConnector1">
             <a:avLst/>
@@ -4486,8 +4485,8 @@
         </p:nvSpPr>
         <p:spPr>
           <a:xfrm>
-            <a:off x="6284485" y="3148095"/>
-            <a:ext cx="2217719" cy="153888"/>
+            <a:off x="9001151" y="3021868"/>
+            <a:ext cx="2217719" cy="215444"/>
           </a:xfrm>
           <a:prstGeom prst="rect">
             <a:avLst/>
@@ -4512,7 +4511,7 @@
           </a:lstStyle>
           <a:p>
             <a:r>
-              <a:rPr lang="en-US" sz="1000" dirty="0">
+              <a:rPr lang="en-US" dirty="0">
                 <a:solidFill>
                   <a:schemeClr val="accent6">
                     <a:lumMod val="75000"/>
@@ -4535,14 +4534,13 @@
           </p:cNvPr>
           <p:cNvCxnSpPr>
             <a:cxnSpLocks/>
-            <a:endCxn id="43" idx="2"/>
           </p:cNvCxnSpPr>
           <p:nvPr/>
         </p:nvCxnSpPr>
         <p:spPr>
-          <a:xfrm>
-            <a:off x="5442929" y="3839027"/>
-            <a:ext cx="3495261" cy="0"/>
+          <a:xfrm flipV="1">
+            <a:off x="6717415" y="3733800"/>
+            <a:ext cx="5003512" cy="26043"/>
           </a:xfrm>
           <a:prstGeom prst="straightConnector1">
             <a:avLst/>
@@ -4587,8 +4585,8 @@
         </p:nvCxnSpPr>
         <p:spPr>
           <a:xfrm>
-            <a:off x="5442929" y="4429359"/>
-            <a:ext cx="1800820" cy="0"/>
+            <a:off x="6594973" y="4433935"/>
+            <a:ext cx="3067971" cy="0"/>
           </a:xfrm>
           <a:prstGeom prst="straightConnector1">
             <a:avLst/>
@@ -4634,9 +4632,9 @@
           <p:nvPr/>
         </p:nvCxnSpPr>
         <p:spPr>
-          <a:xfrm flipH="1">
-            <a:off x="7373064" y="4238431"/>
-            <a:ext cx="20280" cy="714563"/>
+          <a:xfrm>
+            <a:off x="9723866" y="4238431"/>
+            <a:ext cx="0" cy="697109"/>
           </a:xfrm>
           <a:prstGeom prst="line">
             <a:avLst/>
@@ -4679,7 +4677,7 @@
         </p:nvSpPr>
         <p:spPr>
           <a:xfrm>
-            <a:off x="7243749" y="4881886"/>
+            <a:off x="9594664" y="4813649"/>
             <a:ext cx="258404" cy="261610"/>
           </a:xfrm>
           <a:prstGeom prst="rect">
@@ -4718,7 +4716,7 @@
         </p:nvSpPr>
         <p:spPr>
           <a:xfrm rot="16200000">
-            <a:off x="7194257" y="4481010"/>
+            <a:off x="9584857" y="4504192"/>
             <a:ext cx="306698" cy="150524"/>
           </a:xfrm>
           <a:prstGeom prst="rect">
@@ -4782,8 +4780,8 @@
         </p:nvCxnSpPr>
         <p:spPr>
           <a:xfrm rot="5400000" flipH="1">
-            <a:off x="6370710" y="3732726"/>
-            <a:ext cx="47955" cy="1905836"/>
+            <a:off x="8101894" y="3096491"/>
+            <a:ext cx="50638" cy="3221986"/>
           </a:xfrm>
           <a:prstGeom prst="bentConnector2">
             <a:avLst/>
@@ -4829,8 +4827,8 @@
         </p:nvSpPr>
         <p:spPr>
           <a:xfrm>
-            <a:off x="5018213" y="4238431"/>
-            <a:ext cx="2217719" cy="153888"/>
+            <a:off x="7225256" y="4216422"/>
+            <a:ext cx="2217719" cy="184666"/>
           </a:xfrm>
           <a:prstGeom prst="rect">
             <a:avLst/>
@@ -4855,7 +4853,7 @@
           </a:lstStyle>
           <a:p>
             <a:r>
-              <a:rPr lang="en-US" sz="1000" dirty="0" err="1">
+              <a:rPr lang="en-US" sz="1200" dirty="0" err="1">
                 <a:solidFill>
                   <a:schemeClr val="accent6">
                     <a:lumMod val="75000"/>
@@ -4865,7 +4863,7 @@
               <a:t>addToAddressBook</a:t>
             </a:r>
             <a:r>
-              <a:rPr lang="en-US" sz="1000" dirty="0">
+              <a:rPr lang="en-US" sz="1200" dirty="0">
                 <a:solidFill>
                   <a:schemeClr val="accent6">
                     <a:lumMod val="75000"/>
@@ -4875,7 +4873,7 @@
               <a:t>(</a:t>
             </a:r>
             <a:r>
-              <a:rPr lang="en-US" sz="1000" dirty="0" err="1">
+              <a:rPr lang="en-US" sz="1200" dirty="0" err="1">
                 <a:solidFill>
                   <a:schemeClr val="accent6">
                     <a:lumMod val="75000"/>
@@ -4885,7 +4883,7 @@
               <a:t>addressbook</a:t>
             </a:r>
             <a:r>
-              <a:rPr lang="en-US" sz="1000" dirty="0">
+              <a:rPr lang="en-US" sz="1200" dirty="0">
                 <a:solidFill>
                   <a:schemeClr val="accent6">
                     <a:lumMod val="75000"/>
@@ -4911,7 +4909,7 @@
         </p:nvSpPr>
         <p:spPr>
           <a:xfrm>
-            <a:off x="5243656" y="4904712"/>
+            <a:off x="6459011" y="4949327"/>
             <a:ext cx="258404" cy="261610"/>
           </a:xfrm>
           <a:prstGeom prst="rect">
@@ -4950,8 +4948,8 @@
         </p:nvSpPr>
         <p:spPr>
           <a:xfrm>
-            <a:off x="2496997" y="2364850"/>
-            <a:ext cx="2217719" cy="153888"/>
+            <a:off x="3190591" y="2331021"/>
+            <a:ext cx="2655558" cy="215444"/>
           </a:xfrm>
           <a:prstGeom prst="rect">
             <a:avLst/>
@@ -4976,7 +4974,7 @@
           </a:lstStyle>
           <a:p>
             <a:r>
-              <a:rPr lang="en-US" sz="1000" dirty="0" err="1">
+              <a:rPr lang="en-US" dirty="0" err="1">
                 <a:solidFill>
                   <a:srgbClr val="7030A0"/>
                 </a:solidFill>
@@ -4984,7 +4982,7 @@
               <a:t>XmlAddressBookStorage</a:t>
             </a:r>
             <a:r>
-              <a:rPr lang="en-US" sz="1000" dirty="0">
+              <a:rPr lang="en-US" dirty="0">
                 <a:solidFill>
                   <a:srgbClr val="7030A0"/>
                 </a:solidFill>
@@ -4992,7 +4990,7 @@
               <a:t>(</a:t>
             </a:r>
             <a:r>
-              <a:rPr lang="en-US" sz="1000" dirty="0" err="1">
+              <a:rPr lang="en-US" dirty="0" err="1">
                 <a:solidFill>
                   <a:srgbClr val="7030A0"/>
                 </a:solidFill>
@@ -5000,7 +4998,7 @@
               <a:t>filepath</a:t>
             </a:r>
             <a:r>
-              <a:rPr lang="en-US" sz="1000" dirty="0">
+              <a:rPr lang="en-US" dirty="0">
                 <a:solidFill>
                   <a:srgbClr val="7030A0"/>
                 </a:solidFill>
@@ -5027,8 +5025,8 @@
         </p:nvCxnSpPr>
         <p:spPr>
           <a:xfrm>
-            <a:off x="2885321" y="2605298"/>
-            <a:ext cx="1881844" cy="3504"/>
+            <a:off x="2901812" y="2625234"/>
+            <a:ext cx="3142810" cy="18045"/>
           </a:xfrm>
           <a:prstGeom prst="straightConnector1">
             <a:avLst/>
@@ -5069,8 +5067,8 @@
         </p:nvCxnSpPr>
         <p:spPr>
           <a:xfrm rot="5400000" flipH="1">
-            <a:off x="4090605" y="3620409"/>
-            <a:ext cx="39192" cy="2483762"/>
+            <a:off x="4688927" y="3069184"/>
+            <a:ext cx="67673" cy="3708412"/>
           </a:xfrm>
           <a:prstGeom prst="bentConnector2">
             <a:avLst/>
@@ -5113,17 +5111,18 @@
           </p:cNvPr>
           <p:cNvCxnSpPr>
             <a:cxnSpLocks/>
-            <a:stCxn id="28" idx="3"/>
           </p:cNvCxnSpPr>
           <p:nvPr/>
         </p:nvCxnSpPr>
         <p:spPr>
-          <a:xfrm rot="16200000" flipH="1" flipV="1">
-            <a:off x="4065037" y="1598059"/>
-            <a:ext cx="109114" cy="2465802"/>
-          </a:xfrm>
-          <a:prstGeom prst="bentConnector2">
-            <a:avLst/>
+          <a:xfrm rot="10800000" flipV="1">
+            <a:off x="2852667" y="2855617"/>
+            <a:ext cx="3735546" cy="2078"/>
+          </a:xfrm>
+          <a:prstGeom prst="bentConnector3">
+            <a:avLst>
+              <a:gd name="adj1" fmla="val 50000"/>
+            </a:avLst>
           </a:prstGeom>
           <a:ln w="19050">
             <a:solidFill>
